--- a/trunk/TPs CPOO/Gareth & Maxime/Projet/Présentation.pptx
+++ b/trunk/TPs CPOO/Gareth & Maxime/Projet/Présentation.pptx
@@ -292,9 +292,9 @@
           <a:p>
             <a:fld id="{DE78B5A4-3ACB-4043-8868-AA93E5FE135C}" type="datetimeFigureOut">
               <a:rPr lang="fr-FR" smtClean="0"/>
-              <a:t>26/01/2011</a:t>
+              <a:t>27/01/2011</a:t>
             </a:fld>
-            <a:endParaRPr lang="fr-FR"/>
+            <a:endParaRPr lang="fr-FR" dirty="0"/>
           </a:p>
         </p:txBody>
       </p:sp>
@@ -313,7 +313,7 @@
           <a:bodyPr/>
           <a:lstStyle/>
           <a:p>
-            <a:endParaRPr lang="fr-FR"/>
+            <a:endParaRPr lang="fr-FR" dirty="0"/>
           </a:p>
         </p:txBody>
       </p:sp>
@@ -336,7 +336,7 @@
               <a:rPr lang="fr-FR" smtClean="0"/>
               <a:t>‹N°›</a:t>
             </a:fld>
-            <a:endParaRPr lang="fr-FR"/>
+            <a:endParaRPr lang="fr-FR" dirty="0"/>
           </a:p>
         </p:txBody>
       </p:sp>
@@ -457,9 +457,9 @@
           <a:p>
             <a:fld id="{DE78B5A4-3ACB-4043-8868-AA93E5FE135C}" type="datetimeFigureOut">
               <a:rPr lang="fr-FR" smtClean="0"/>
-              <a:t>26/01/2011</a:t>
+              <a:t>27/01/2011</a:t>
             </a:fld>
-            <a:endParaRPr lang="fr-FR"/>
+            <a:endParaRPr lang="fr-FR" dirty="0"/>
           </a:p>
         </p:txBody>
       </p:sp>
@@ -478,7 +478,7 @@
           <a:bodyPr/>
           <a:lstStyle/>
           <a:p>
-            <a:endParaRPr lang="fr-FR"/>
+            <a:endParaRPr lang="fr-FR" dirty="0"/>
           </a:p>
         </p:txBody>
       </p:sp>
@@ -501,7 +501,7 @@
               <a:rPr lang="fr-FR" smtClean="0"/>
               <a:t>‹N°›</a:t>
             </a:fld>
-            <a:endParaRPr lang="fr-FR"/>
+            <a:endParaRPr lang="fr-FR" dirty="0"/>
           </a:p>
         </p:txBody>
       </p:sp>
@@ -632,9 +632,9 @@
           <a:p>
             <a:fld id="{DE78B5A4-3ACB-4043-8868-AA93E5FE135C}" type="datetimeFigureOut">
               <a:rPr lang="fr-FR" smtClean="0"/>
-              <a:t>26/01/2011</a:t>
+              <a:t>27/01/2011</a:t>
             </a:fld>
-            <a:endParaRPr lang="fr-FR"/>
+            <a:endParaRPr lang="fr-FR" dirty="0"/>
           </a:p>
         </p:txBody>
       </p:sp>
@@ -653,7 +653,7 @@
           <a:bodyPr/>
           <a:lstStyle/>
           <a:p>
-            <a:endParaRPr lang="fr-FR"/>
+            <a:endParaRPr lang="fr-FR" dirty="0"/>
           </a:p>
         </p:txBody>
       </p:sp>
@@ -676,7 +676,7 @@
               <a:rPr lang="fr-FR" smtClean="0"/>
               <a:t>‹N°›</a:t>
             </a:fld>
-            <a:endParaRPr lang="fr-FR"/>
+            <a:endParaRPr lang="fr-FR" dirty="0"/>
           </a:p>
         </p:txBody>
       </p:sp>
@@ -797,9 +797,9 @@
           <a:p>
             <a:fld id="{DE78B5A4-3ACB-4043-8868-AA93E5FE135C}" type="datetimeFigureOut">
               <a:rPr lang="fr-FR" smtClean="0"/>
-              <a:t>26/01/2011</a:t>
+              <a:t>27/01/2011</a:t>
             </a:fld>
-            <a:endParaRPr lang="fr-FR"/>
+            <a:endParaRPr lang="fr-FR" dirty="0"/>
           </a:p>
         </p:txBody>
       </p:sp>
@@ -818,7 +818,7 @@
           <a:bodyPr/>
           <a:lstStyle/>
           <a:p>
-            <a:endParaRPr lang="fr-FR"/>
+            <a:endParaRPr lang="fr-FR" dirty="0"/>
           </a:p>
         </p:txBody>
       </p:sp>
@@ -841,7 +841,7 @@
               <a:rPr lang="fr-FR" smtClean="0"/>
               <a:t>‹N°›</a:t>
             </a:fld>
-            <a:endParaRPr lang="fr-FR"/>
+            <a:endParaRPr lang="fr-FR" dirty="0"/>
           </a:p>
         </p:txBody>
       </p:sp>
@@ -1038,9 +1038,9 @@
           <a:p>
             <a:fld id="{DE78B5A4-3ACB-4043-8868-AA93E5FE135C}" type="datetimeFigureOut">
               <a:rPr lang="fr-FR" smtClean="0"/>
-              <a:t>26/01/2011</a:t>
+              <a:t>27/01/2011</a:t>
             </a:fld>
-            <a:endParaRPr lang="fr-FR"/>
+            <a:endParaRPr lang="fr-FR" dirty="0"/>
           </a:p>
         </p:txBody>
       </p:sp>
@@ -1059,7 +1059,7 @@
           <a:bodyPr/>
           <a:lstStyle/>
           <a:p>
-            <a:endParaRPr lang="fr-FR"/>
+            <a:endParaRPr lang="fr-FR" dirty="0"/>
           </a:p>
         </p:txBody>
       </p:sp>
@@ -1082,7 +1082,7 @@
               <a:rPr lang="fr-FR" smtClean="0"/>
               <a:t>‹N°›</a:t>
             </a:fld>
-            <a:endParaRPr lang="fr-FR"/>
+            <a:endParaRPr lang="fr-FR" dirty="0"/>
           </a:p>
         </p:txBody>
       </p:sp>
@@ -1321,9 +1321,9 @@
           <a:p>
             <a:fld id="{DE78B5A4-3ACB-4043-8868-AA93E5FE135C}" type="datetimeFigureOut">
               <a:rPr lang="fr-FR" smtClean="0"/>
-              <a:t>26/01/2011</a:t>
+              <a:t>27/01/2011</a:t>
             </a:fld>
-            <a:endParaRPr lang="fr-FR"/>
+            <a:endParaRPr lang="fr-FR" dirty="0"/>
           </a:p>
         </p:txBody>
       </p:sp>
@@ -1342,7 +1342,7 @@
           <a:bodyPr/>
           <a:lstStyle/>
           <a:p>
-            <a:endParaRPr lang="fr-FR"/>
+            <a:endParaRPr lang="fr-FR" dirty="0"/>
           </a:p>
         </p:txBody>
       </p:sp>
@@ -1365,7 +1365,7 @@
               <a:rPr lang="fr-FR" smtClean="0"/>
               <a:t>‹N°›</a:t>
             </a:fld>
-            <a:endParaRPr lang="fr-FR"/>
+            <a:endParaRPr lang="fr-FR" dirty="0"/>
           </a:p>
         </p:txBody>
       </p:sp>
@@ -1738,9 +1738,9 @@
           <a:p>
             <a:fld id="{DE78B5A4-3ACB-4043-8868-AA93E5FE135C}" type="datetimeFigureOut">
               <a:rPr lang="fr-FR" smtClean="0"/>
-              <a:t>26/01/2011</a:t>
+              <a:t>27/01/2011</a:t>
             </a:fld>
-            <a:endParaRPr lang="fr-FR"/>
+            <a:endParaRPr lang="fr-FR" dirty="0"/>
           </a:p>
         </p:txBody>
       </p:sp>
@@ -1759,7 +1759,7 @@
           <a:bodyPr/>
           <a:lstStyle/>
           <a:p>
-            <a:endParaRPr lang="fr-FR"/>
+            <a:endParaRPr lang="fr-FR" dirty="0"/>
           </a:p>
         </p:txBody>
       </p:sp>
@@ -1782,7 +1782,7 @@
               <a:rPr lang="fr-FR" smtClean="0"/>
               <a:t>‹N°›</a:t>
             </a:fld>
-            <a:endParaRPr lang="fr-FR"/>
+            <a:endParaRPr lang="fr-FR" dirty="0"/>
           </a:p>
         </p:txBody>
       </p:sp>
@@ -1851,9 +1851,9 @@
           <a:p>
             <a:fld id="{DE78B5A4-3ACB-4043-8868-AA93E5FE135C}" type="datetimeFigureOut">
               <a:rPr lang="fr-FR" smtClean="0"/>
-              <a:t>26/01/2011</a:t>
+              <a:t>27/01/2011</a:t>
             </a:fld>
-            <a:endParaRPr lang="fr-FR"/>
+            <a:endParaRPr lang="fr-FR" dirty="0"/>
           </a:p>
         </p:txBody>
       </p:sp>
@@ -1872,7 +1872,7 @@
           <a:bodyPr/>
           <a:lstStyle/>
           <a:p>
-            <a:endParaRPr lang="fr-FR"/>
+            <a:endParaRPr lang="fr-FR" dirty="0"/>
           </a:p>
         </p:txBody>
       </p:sp>
@@ -1895,7 +1895,7 @@
               <a:rPr lang="fr-FR" smtClean="0"/>
               <a:t>‹N°›</a:t>
             </a:fld>
-            <a:endParaRPr lang="fr-FR"/>
+            <a:endParaRPr lang="fr-FR" dirty="0"/>
           </a:p>
         </p:txBody>
       </p:sp>
@@ -1941,9 +1941,9 @@
           <a:p>
             <a:fld id="{DE78B5A4-3ACB-4043-8868-AA93E5FE135C}" type="datetimeFigureOut">
               <a:rPr lang="fr-FR" smtClean="0"/>
-              <a:t>26/01/2011</a:t>
+              <a:t>27/01/2011</a:t>
             </a:fld>
-            <a:endParaRPr lang="fr-FR"/>
+            <a:endParaRPr lang="fr-FR" dirty="0"/>
           </a:p>
         </p:txBody>
       </p:sp>
@@ -1962,7 +1962,7 @@
           <a:bodyPr/>
           <a:lstStyle/>
           <a:p>
-            <a:endParaRPr lang="fr-FR"/>
+            <a:endParaRPr lang="fr-FR" dirty="0"/>
           </a:p>
         </p:txBody>
       </p:sp>
@@ -1985,7 +1985,7 @@
               <a:rPr lang="fr-FR" smtClean="0"/>
               <a:t>‹N°›</a:t>
             </a:fld>
-            <a:endParaRPr lang="fr-FR"/>
+            <a:endParaRPr lang="fr-FR" dirty="0"/>
           </a:p>
         </p:txBody>
       </p:sp>
@@ -2213,9 +2213,9 @@
           <a:p>
             <a:fld id="{DE78B5A4-3ACB-4043-8868-AA93E5FE135C}" type="datetimeFigureOut">
               <a:rPr lang="fr-FR" smtClean="0"/>
-              <a:t>26/01/2011</a:t>
+              <a:t>27/01/2011</a:t>
             </a:fld>
-            <a:endParaRPr lang="fr-FR"/>
+            <a:endParaRPr lang="fr-FR" dirty="0"/>
           </a:p>
         </p:txBody>
       </p:sp>
@@ -2234,7 +2234,7 @@
           <a:bodyPr/>
           <a:lstStyle/>
           <a:p>
-            <a:endParaRPr lang="fr-FR"/>
+            <a:endParaRPr lang="fr-FR" dirty="0"/>
           </a:p>
         </p:txBody>
       </p:sp>
@@ -2257,7 +2257,7 @@
               <a:rPr lang="fr-FR" smtClean="0"/>
               <a:t>‹N°›</a:t>
             </a:fld>
-            <a:endParaRPr lang="fr-FR"/>
+            <a:endParaRPr lang="fr-FR" dirty="0"/>
           </a:p>
         </p:txBody>
       </p:sp>
@@ -2375,7 +2375,7 @@
             </a:lvl9pPr>
           </a:lstStyle>
           <a:p>
-            <a:endParaRPr lang="fr-FR"/>
+            <a:endParaRPr lang="fr-FR" dirty="0"/>
           </a:p>
         </p:txBody>
       </p:sp>
@@ -2461,9 +2461,9 @@
           <a:p>
             <a:fld id="{DE78B5A4-3ACB-4043-8868-AA93E5FE135C}" type="datetimeFigureOut">
               <a:rPr lang="fr-FR" smtClean="0"/>
-              <a:t>26/01/2011</a:t>
+              <a:t>27/01/2011</a:t>
             </a:fld>
-            <a:endParaRPr lang="fr-FR"/>
+            <a:endParaRPr lang="fr-FR" dirty="0"/>
           </a:p>
         </p:txBody>
       </p:sp>
@@ -2482,7 +2482,7 @@
           <a:bodyPr/>
           <a:lstStyle/>
           <a:p>
-            <a:endParaRPr lang="fr-FR"/>
+            <a:endParaRPr lang="fr-FR" dirty="0"/>
           </a:p>
         </p:txBody>
       </p:sp>
@@ -2505,7 +2505,7 @@
               <a:rPr lang="fr-FR" smtClean="0"/>
               <a:t>‹N°›</a:t>
             </a:fld>
-            <a:endParaRPr lang="fr-FR"/>
+            <a:endParaRPr lang="fr-FR" dirty="0"/>
           </a:p>
         </p:txBody>
       </p:sp>
@@ -2678,9 +2678,9 @@
           <a:p>
             <a:fld id="{DE78B5A4-3ACB-4043-8868-AA93E5FE135C}" type="datetimeFigureOut">
               <a:rPr lang="fr-FR" smtClean="0"/>
-              <a:t>26/01/2011</a:t>
+              <a:t>27/01/2011</a:t>
             </a:fld>
-            <a:endParaRPr lang="fr-FR"/>
+            <a:endParaRPr lang="fr-FR" dirty="0"/>
           </a:p>
         </p:txBody>
       </p:sp>
@@ -2717,7 +2717,7 @@
             </a:lvl1pPr>
           </a:lstStyle>
           <a:p>
-            <a:endParaRPr lang="fr-FR"/>
+            <a:endParaRPr lang="fr-FR" dirty="0"/>
           </a:p>
         </p:txBody>
       </p:sp>
@@ -2758,7 +2758,7 @@
               <a:rPr lang="fr-FR" smtClean="0"/>
               <a:t>‹N°›</a:t>
             </a:fld>
-            <a:endParaRPr lang="fr-FR"/>
+            <a:endParaRPr lang="fr-FR" dirty="0"/>
           </a:p>
         </p:txBody>
       </p:sp>
@@ -3086,7 +3086,7 @@
         </p:nvSpPr>
         <p:spPr>
           <a:xfrm>
-            <a:off x="685800" y="692696"/>
+            <a:off x="685800" y="476672"/>
             <a:ext cx="7846640" cy="1614041"/>
           </a:xfrm>
         </p:spPr>
@@ -3183,7 +3183,7 @@
         <p:spPr>
           <a:xfrm>
             <a:off x="611560" y="5373216"/>
-            <a:ext cx="1656184" cy="1224136"/>
+            <a:ext cx="1728192" cy="1224136"/>
           </a:xfrm>
         </p:spPr>
         <p:style>
@@ -3213,8 +3213,21 @@
                   <a:schemeClr val="accent1"/>
                 </a:solidFill>
               </a:rPr>
-              <a:t>4INFO G2.2</a:t>
-            </a:r>
+              <a:t>Maxime </a:t>
+            </a:r>
+            <a:r>
+              <a:rPr lang="fr-FR" sz="1800" dirty="0" smtClean="0">
+                <a:solidFill>
+                  <a:schemeClr val="accent1"/>
+                </a:solidFill>
+              </a:rPr>
+              <a:t>HAVEZ</a:t>
+            </a:r>
+            <a:endParaRPr lang="fr-FR" sz="1800" dirty="0">
+              <a:solidFill>
+                <a:schemeClr val="accent1"/>
+              </a:solidFill>
+            </a:endParaRPr>
           </a:p>
           <a:p>
             <a:pPr algn="l"/>
@@ -3224,27 +3237,30 @@
                   <a:schemeClr val="accent1"/>
                 </a:solidFill>
               </a:rPr>
-              <a:t>Havez Maxime</a:t>
+              <a:t>Gareth THIVEUX</a:t>
             </a:r>
           </a:p>
           <a:p>
             <a:pPr algn="l"/>
             <a:r>
-              <a:rPr lang="fr-FR" sz="1800" dirty="0" err="1" smtClean="0">
+              <a:rPr lang="fr-FR" sz="1800" dirty="0" smtClean="0">
                 <a:solidFill>
                   <a:schemeClr val="accent1"/>
                 </a:solidFill>
               </a:rPr>
-              <a:t>Thiveux</a:t>
-            </a:r>
-            <a:r>
-              <a:rPr lang="fr-FR" sz="1800" dirty="0" smtClean="0">
+              <a:t>4INFO </a:t>
+            </a:r>
+            <a:r>
+              <a:rPr lang="fr-FR" sz="1800" dirty="0">
                 <a:solidFill>
                   <a:schemeClr val="accent1"/>
                 </a:solidFill>
               </a:rPr>
-              <a:t> Gareth</a:t>
-            </a:r>
+              <a:t>G2.2</a:t>
+            </a:r>
+          </a:p>
+          <a:p>
+            <a:pPr algn="l"/>
             <a:endParaRPr lang="fr-FR" sz="1800" dirty="0">
               <a:solidFill>
                 <a:schemeClr val="accent1"/>
@@ -3447,7 +3463,7 @@
         </p:nvSpPr>
         <p:spPr>
           <a:xfrm>
-            <a:off x="1428800" y="2132856"/>
+            <a:off x="1428800" y="1916832"/>
             <a:ext cx="7535688" cy="4281339"/>
           </a:xfrm>
         </p:spPr>
@@ -3469,9 +3485,9 @@
                   <a:srgbClr val="FFFFFF"/>
                 </a:solidFill>
                 <a:effectLst>
-                  <a:outerShdw blurRad="63500" dir="3600000" algn="tl" rotWithShape="0">
+                  <a:outerShdw blurRad="38100" dist="38100" dir="2700000" algn="tl">
                     <a:srgbClr val="000000">
-                      <a:alpha val="70000"/>
+                      <a:alpha val="43137"/>
                     </a:srgbClr>
                   </a:outerShdw>
                 </a:effectLst>
@@ -3490,9 +3506,9 @@
                   <a:srgbClr val="FFFFFF"/>
                 </a:solidFill>
                 <a:effectLst>
-                  <a:outerShdw blurRad="63500" dir="3600000" algn="tl" rotWithShape="0">
+                  <a:outerShdw blurRad="38100" dist="38100" dir="2700000" algn="tl">
                     <a:srgbClr val="000000">
-                      <a:alpha val="70000"/>
+                      <a:alpha val="43137"/>
                     </a:srgbClr>
                   </a:outerShdw>
                 </a:effectLst>
@@ -3511,9 +3527,9 @@
                   <a:srgbClr val="FFFFFF"/>
                 </a:solidFill>
                 <a:effectLst>
-                  <a:outerShdw blurRad="63500" dir="3600000" algn="tl" rotWithShape="0">
+                  <a:outerShdw blurRad="38100" dist="38100" dir="2700000" algn="tl">
                     <a:srgbClr val="000000">
-                      <a:alpha val="70000"/>
+                      <a:alpha val="43137"/>
                     </a:srgbClr>
                   </a:outerShdw>
                 </a:effectLst>
@@ -3536,9 +3552,9 @@
                 <a:srgbClr val="FFFFFF"/>
               </a:solidFill>
               <a:effectLst>
-                <a:outerShdw blurRad="63500" dir="3600000" algn="tl" rotWithShape="0">
+                <a:outerShdw blurRad="38100" dist="38100" dir="2700000" algn="tl">
                   <a:srgbClr val="000000">
-                    <a:alpha val="70000"/>
+                    <a:alpha val="43137"/>
                   </a:srgbClr>
                 </a:outerShdw>
               </a:effectLst>
@@ -3557,9 +3573,9 @@
                   <a:srgbClr val="FFFFFF"/>
                 </a:solidFill>
                 <a:effectLst>
-                  <a:outerShdw blurRad="63500" dir="3600000" algn="tl" rotWithShape="0">
+                  <a:outerShdw blurRad="38100" dist="38100" dir="2700000" algn="tl">
                     <a:srgbClr val="000000">
-                      <a:alpha val="70000"/>
+                      <a:alpha val="43137"/>
                     </a:srgbClr>
                   </a:outerShdw>
                 </a:effectLst>
@@ -3581,9 +3597,9 @@
                   <a:srgbClr val="FFFFFF"/>
                 </a:solidFill>
                 <a:effectLst>
-                  <a:outerShdw blurRad="63500" dir="3600000" algn="tl" rotWithShape="0">
+                  <a:outerShdw blurRad="38100" dist="38100" dir="2700000" algn="tl">
                     <a:srgbClr val="000000">
-                      <a:alpha val="70000"/>
+                      <a:alpha val="43137"/>
                     </a:srgbClr>
                   </a:outerShdw>
                 </a:effectLst>
@@ -3606,9 +3622,9 @@
                 <a:srgbClr val="FFFFFF"/>
               </a:solidFill>
               <a:effectLst>
-                <a:outerShdw blurRad="63500" dir="3600000" algn="tl" rotWithShape="0">
+                <a:outerShdw blurRad="38100" dist="38100" dir="2700000" algn="tl">
                   <a:srgbClr val="000000">
-                    <a:alpha val="70000"/>
+                    <a:alpha val="43137"/>
                   </a:srgbClr>
                 </a:outerShdw>
               </a:effectLst>
@@ -3627,9 +3643,9 @@
                   <a:srgbClr val="FFFFFF"/>
                 </a:solidFill>
                 <a:effectLst>
-                  <a:outerShdw blurRad="63500" dir="3600000" algn="tl" rotWithShape="0">
+                  <a:outerShdw blurRad="38100" dist="38100" dir="2700000" algn="tl">
                     <a:srgbClr val="000000">
-                      <a:alpha val="70000"/>
+                      <a:alpha val="43137"/>
                     </a:srgbClr>
                   </a:outerShdw>
                 </a:effectLst>
@@ -3652,9 +3668,9 @@
                 <a:srgbClr val="FFFFFF"/>
               </a:solidFill>
               <a:effectLst>
-                <a:outerShdw blurRad="63500" dir="3600000" algn="tl" rotWithShape="0">
+                <a:outerShdw blurRad="38100" dist="38100" dir="2700000" algn="tl">
                   <a:srgbClr val="000000">
-                    <a:alpha val="70000"/>
+                    <a:alpha val="43137"/>
                   </a:srgbClr>
                 </a:outerShdw>
               </a:effectLst>
@@ -3673,9 +3689,9 @@
                   <a:srgbClr val="FFFFFF"/>
                 </a:solidFill>
                 <a:effectLst>
-                  <a:outerShdw blurRad="63500" dir="3600000" algn="tl" rotWithShape="0">
+                  <a:outerShdw blurRad="38100" dist="38100" dir="2700000" algn="tl">
                     <a:srgbClr val="000000">
-                      <a:alpha val="70000"/>
+                      <a:alpha val="43137"/>
                     </a:srgbClr>
                   </a:outerShdw>
                 </a:effectLst>
@@ -3694,9 +3710,9 @@
                   <a:srgbClr val="FFFFFF"/>
                 </a:solidFill>
                 <a:effectLst>
-                  <a:outerShdw blurRad="63500" dir="3600000" algn="tl" rotWithShape="0">
+                  <a:outerShdw blurRad="38100" dist="38100" dir="2700000" algn="tl">
                     <a:srgbClr val="000000">
-                      <a:alpha val="70000"/>
+                      <a:alpha val="43137"/>
                     </a:srgbClr>
                   </a:outerShdw>
                 </a:effectLst>
@@ -3714,9 +3730,9 @@
                 <a:srgbClr val="FFFFFF"/>
               </a:solidFill>
               <a:effectLst>
-                <a:outerShdw blurRad="63500" dir="3600000" algn="tl" rotWithShape="0">
+                <a:outerShdw blurRad="38100" dist="38100" dir="2700000" algn="tl">
                   <a:srgbClr val="000000">
-                    <a:alpha val="70000"/>
+                    <a:alpha val="43137"/>
                   </a:srgbClr>
                 </a:outerShdw>
               </a:effectLst>
@@ -3737,9 +3753,9 @@
                 <a:srgbClr val="FFFFFF"/>
               </a:solidFill>
               <a:effectLst>
-                <a:outerShdw blurRad="63500" dir="3600000" algn="tl" rotWithShape="0">
+                <a:outerShdw blurRad="38100" dist="38100" dir="2700000" algn="tl">
                   <a:srgbClr val="000000">
-                    <a:alpha val="70000"/>
+                    <a:alpha val="43137"/>
                   </a:srgbClr>
                 </a:outerShdw>
               </a:effectLst>
@@ -3758,9 +3774,9 @@
                   <a:srgbClr val="FFFFFF"/>
                 </a:solidFill>
                 <a:effectLst>
-                  <a:outerShdw blurRad="63500" dir="3600000" algn="tl" rotWithShape="0">
+                  <a:outerShdw blurRad="38100" dist="38100" dir="2700000" algn="tl">
                     <a:srgbClr val="000000">
-                      <a:alpha val="70000"/>
+                      <a:alpha val="43137"/>
                     </a:srgbClr>
                   </a:outerShdw>
                 </a:effectLst>
@@ -3779,9 +3795,9 @@
                   <a:srgbClr val="FFFFFF"/>
                 </a:solidFill>
                 <a:effectLst>
-                  <a:outerShdw blurRad="63500" dir="3600000" algn="tl" rotWithShape="0">
+                  <a:outerShdw blurRad="38100" dist="38100" dir="2700000" algn="tl">
                     <a:srgbClr val="000000">
-                      <a:alpha val="70000"/>
+                      <a:alpha val="43137"/>
                     </a:srgbClr>
                   </a:outerShdw>
                 </a:effectLst>
@@ -3800,9 +3816,9 @@
                   <a:srgbClr val="FFFFFF"/>
                 </a:solidFill>
                 <a:effectLst>
-                  <a:outerShdw blurRad="63500" dir="3600000" algn="tl" rotWithShape="0">
+                  <a:outerShdw blurRad="38100" dist="38100" dir="2700000" algn="tl">
                     <a:srgbClr val="000000">
-                      <a:alpha val="70000"/>
+                      <a:alpha val="43137"/>
                     </a:srgbClr>
                   </a:outerShdw>
                 </a:effectLst>
@@ -3825,9 +3841,9 @@
                 <a:srgbClr val="FFFFFF"/>
               </a:solidFill>
               <a:effectLst>
-                <a:outerShdw blurRad="63500" dir="3600000" algn="tl" rotWithShape="0">
+                <a:outerShdw blurRad="38100" dist="38100" dir="2700000" algn="tl">
                   <a:srgbClr val="000000">
-                    <a:alpha val="70000"/>
+                    <a:alpha val="43137"/>
                   </a:srgbClr>
                 </a:outerShdw>
               </a:effectLst>
@@ -3846,14 +3862,56 @@
                   <a:srgbClr val="FFFFFF"/>
                 </a:solidFill>
                 <a:effectLst>
-                  <a:outerShdw blurRad="63500" dir="3600000" algn="tl" rotWithShape="0">
+                  <a:outerShdw blurRad="38100" dist="38100" dir="2700000" algn="tl">
                     <a:srgbClr val="000000">
-                      <a:alpha val="70000"/>
+                      <a:alpha val="43137"/>
                     </a:srgbClr>
                   </a:outerShdw>
                 </a:effectLst>
               </a:rPr>
-              <a:t>Tests et Débogage du Projet </a:t>
+              <a:t>Tests et </a:t>
+            </a:r>
+            <a:r>
+              <a:rPr lang="fr-FR" sz="2800" dirty="0" smtClean="0">
+                <a:ln w="18415" cmpd="sng">
+                  <a:solidFill>
+                    <a:srgbClr val="FFFFFF"/>
+                  </a:solidFill>
+                  <a:prstDash val="solid"/>
+                </a:ln>
+                <a:solidFill>
+                  <a:srgbClr val="FFFFFF"/>
+                </a:solidFill>
+                <a:effectLst>
+                  <a:outerShdw blurRad="38100" dist="38100" dir="2700000" algn="tl">
+                    <a:srgbClr val="000000">
+                      <a:alpha val="43137"/>
+                    </a:srgbClr>
+                  </a:outerShdw>
+                </a:effectLst>
+              </a:rPr>
+              <a:t>débogage </a:t>
+            </a:r>
+            <a:r>
+              <a:rPr lang="fr-FR" sz="2800" dirty="0" smtClean="0">
+                <a:ln w="18415" cmpd="sng">
+                  <a:solidFill>
+                    <a:srgbClr val="FFFFFF"/>
+                  </a:solidFill>
+                  <a:prstDash val="solid"/>
+                </a:ln>
+                <a:solidFill>
+                  <a:srgbClr val="FFFFFF"/>
+                </a:solidFill>
+                <a:effectLst>
+                  <a:outerShdw blurRad="38100" dist="38100" dir="2700000" algn="tl">
+                    <a:srgbClr val="000000">
+                      <a:alpha val="43137"/>
+                    </a:srgbClr>
+                  </a:outerShdw>
+                </a:effectLst>
+              </a:rPr>
+              <a:t>du Projet </a:t>
             </a:r>
           </a:p>
           <a:p>
@@ -3985,18 +4043,18 @@
         </p:nvSpPr>
         <p:spPr>
           <a:xfrm>
-            <a:off x="1403648" y="2132857"/>
-            <a:ext cx="4536504" cy="2736303"/>
+            <a:off x="1187624" y="2060848"/>
+            <a:ext cx="5040560" cy="2736303"/>
           </a:xfrm>
         </p:spPr>
         <p:txBody>
           <a:bodyPr>
-            <a:normAutofit fontScale="85000" lnSpcReduction="20000"/>
+            <a:normAutofit/>
           </a:bodyPr>
           <a:lstStyle/>
           <a:p>
             <a:r>
-              <a:rPr lang="fr-FR" sz="2600" dirty="0" smtClean="0">
+              <a:rPr lang="fr-FR" sz="2200" dirty="0" smtClean="0">
                 <a:ln w="18415" cmpd="sng">
                   <a:solidFill>
                     <a:srgbClr val="FFFFFF"/>
@@ -4019,7 +4077,7 @@
           </a:p>
           <a:p>
             <a:r>
-              <a:rPr lang="fr-FR" sz="2600" dirty="0" smtClean="0">
+              <a:rPr lang="fr-FR" sz="2200" dirty="0" smtClean="0">
                 <a:ln w="18415" cmpd="sng">
                   <a:solidFill>
                     <a:srgbClr val="FFFFFF"/>
@@ -4042,7 +4100,7 @@
           </a:p>
           <a:p>
             <a:r>
-              <a:rPr lang="fr-FR" sz="2600" dirty="0" smtClean="0">
+              <a:rPr lang="fr-FR" sz="2200" dirty="0" smtClean="0">
                 <a:ln w="18415" cmpd="sng">
                   <a:solidFill>
                     <a:srgbClr val="FFFFFF"/>
@@ -4067,7 +4125,7 @@
             <a:pPr>
               <a:buNone/>
             </a:pPr>
-            <a:endParaRPr lang="fr-FR" sz="2600" dirty="0" smtClean="0">
+            <a:endParaRPr lang="fr-FR" sz="2200" dirty="0" smtClean="0">
               <a:ln w="18415" cmpd="sng">
                 <a:solidFill>
                   <a:srgbClr val="FFFFFF"/>
@@ -4088,7 +4146,7 @@
           </a:p>
           <a:p>
             <a:r>
-              <a:rPr lang="fr-FR" sz="2600" dirty="0" smtClean="0">
+              <a:rPr lang="fr-FR" sz="2200" dirty="0" smtClean="0">
                 <a:ln w="18415" cmpd="sng">
                   <a:solidFill>
                     <a:srgbClr val="FFFFFF"/>
@@ -4113,7 +4171,7 @@
             <a:pPr>
               <a:buNone/>
             </a:pPr>
-            <a:endParaRPr lang="fr-FR" sz="2600" dirty="0">
+            <a:endParaRPr lang="fr-FR" sz="2200" dirty="0">
               <a:ln w="18415" cmpd="sng">
                 <a:solidFill>
                   <a:srgbClr val="FFFFFF"/>
@@ -4151,7 +4209,7 @@
         </p:blipFill>
         <p:spPr bwMode="auto">
           <a:xfrm>
-            <a:off x="6372200" y="1988840"/>
+            <a:off x="6300192" y="1988840"/>
             <a:ext cx="2474962" cy="2740137"/>
           </a:xfrm>
           <a:prstGeom prst="rect">
@@ -4246,7 +4304,33 @@
                   </a:outerShdw>
                 </a:effectLst>
               </a:rPr>
-              <a:t>Implémentation de la Partie</a:t>
+              <a:t>Implémentation de la </a:t>
+            </a:r>
+            <a:r>
+              <a:rPr lang="fr-FR" b="1" dirty="0" smtClean="0">
+                <a:ln w="12700">
+                  <a:solidFill>
+                    <a:schemeClr val="tx2">
+                      <a:satMod val="155000"/>
+                    </a:schemeClr>
+                  </a:solidFill>
+                  <a:prstDash val="solid"/>
+                </a:ln>
+                <a:solidFill>
+                  <a:schemeClr val="bg2">
+                    <a:tint val="85000"/>
+                    <a:satMod val="155000"/>
+                  </a:schemeClr>
+                </a:solidFill>
+                <a:effectLst>
+                  <a:outerShdw blurRad="41275" dist="20320" dir="1800000" algn="tl" rotWithShape="0">
+                    <a:srgbClr val="000000">
+                      <a:alpha val="40000"/>
+                    </a:srgbClr>
+                  </a:outerShdw>
+                </a:effectLst>
+              </a:rPr>
+              <a:t>partie</a:t>
             </a:r>
             <a:endParaRPr lang="fr-FR" b="1" dirty="0">
               <a:ln w="12700">
@@ -4289,8 +4373,8 @@
         </p:nvSpPr>
         <p:spPr>
           <a:xfrm>
-            <a:off x="1259632" y="1988840"/>
-            <a:ext cx="4392488" cy="1656184"/>
+            <a:off x="1259632" y="1556792"/>
+            <a:ext cx="4536504" cy="1656184"/>
           </a:xfrm>
         </p:spPr>
         <p:txBody>
@@ -4341,10 +4425,8 @@
                   </a:outerShdw>
                 </a:effectLst>
               </a:rPr>
-              <a:t>Une zone de renseignement</a:t>
-            </a:r>
-          </a:p>
-          <a:p>
+              <a:t>Une zone de </a:t>
+            </a:r>
             <a:r>
               <a:rPr lang="fr-FR" sz="2600" dirty="0" smtClean="0">
                 <a:ln w="18415" cmpd="sng">
@@ -4364,7 +4446,69 @@
                   </a:outerShdw>
                 </a:effectLst>
               </a:rPr>
-              <a:t>Une zone d’indication</a:t>
+              <a:t>renseignements</a:t>
+            </a:r>
+            <a:endParaRPr lang="fr-FR" sz="2600" dirty="0" smtClean="0">
+              <a:ln w="18415" cmpd="sng">
+                <a:solidFill>
+                  <a:srgbClr val="FFFFFF"/>
+                </a:solidFill>
+                <a:prstDash val="solid"/>
+              </a:ln>
+              <a:solidFill>
+                <a:srgbClr val="FFFFFF"/>
+              </a:solidFill>
+              <a:effectLst>
+                <a:outerShdw blurRad="63500" dir="3600000" algn="tl" rotWithShape="0">
+                  <a:srgbClr val="000000">
+                    <a:alpha val="70000"/>
+                  </a:srgbClr>
+                </a:outerShdw>
+              </a:effectLst>
+            </a:endParaRPr>
+          </a:p>
+          <a:p>
+            <a:r>
+              <a:rPr lang="fr-FR" sz="2600" dirty="0" smtClean="0">
+                <a:ln w="18415" cmpd="sng">
+                  <a:solidFill>
+                    <a:srgbClr val="FFFFFF"/>
+                  </a:solidFill>
+                  <a:prstDash val="solid"/>
+                </a:ln>
+                <a:solidFill>
+                  <a:srgbClr val="FFFFFF"/>
+                </a:solidFill>
+                <a:effectLst>
+                  <a:outerShdw blurRad="63500" dir="3600000" algn="tl" rotWithShape="0">
+                    <a:srgbClr val="000000">
+                      <a:alpha val="70000"/>
+                    </a:srgbClr>
+                  </a:outerShdw>
+                </a:effectLst>
+              </a:rPr>
+              <a:t>Une zone </a:t>
+            </a:r>
+            <a:r>
+              <a:rPr lang="fr-FR" sz="2600" dirty="0" smtClean="0">
+                <a:ln w="18415" cmpd="sng">
+                  <a:solidFill>
+                    <a:srgbClr val="FFFFFF"/>
+                  </a:solidFill>
+                  <a:prstDash val="solid"/>
+                </a:ln>
+                <a:solidFill>
+                  <a:srgbClr val="FFFFFF"/>
+                </a:solidFill>
+                <a:effectLst>
+                  <a:outerShdw blurRad="63500" dir="3600000" algn="tl" rotWithShape="0">
+                    <a:srgbClr val="000000">
+                      <a:alpha val="70000"/>
+                    </a:srgbClr>
+                  </a:outerShdw>
+                </a:effectLst>
+              </a:rPr>
+              <a:t>d’indications</a:t>
             </a:r>
             <a:endParaRPr lang="fr-FR" sz="2600" dirty="0">
               <a:ln w="18415" cmpd="sng">
@@ -4404,7 +4548,7 @@
         </p:blipFill>
         <p:spPr bwMode="auto">
           <a:xfrm>
-            <a:off x="3563888" y="3645024"/>
+            <a:off x="3563888" y="3177995"/>
             <a:ext cx="5351140" cy="3059317"/>
           </a:xfrm>
           <a:prstGeom prst="rect">
@@ -4427,7 +4571,7 @@
         </p:nvCxnSpPr>
         <p:spPr>
           <a:xfrm>
-            <a:off x="1403648" y="2204864"/>
+            <a:off x="1403648" y="1772816"/>
             <a:ext cx="4680520" cy="2016224"/>
           </a:xfrm>
           <a:prstGeom prst="straightConnector1">
@@ -4460,7 +4604,7 @@
         </p:nvCxnSpPr>
         <p:spPr>
           <a:xfrm>
-            <a:off x="1403648" y="2708920"/>
+            <a:off x="1403648" y="2276872"/>
             <a:ext cx="2376264" cy="1800200"/>
           </a:xfrm>
           <a:prstGeom prst="straightConnector1">
@@ -4493,7 +4637,7 @@
         </p:nvCxnSpPr>
         <p:spPr>
           <a:xfrm>
-            <a:off x="1403648" y="3212976"/>
+            <a:off x="1403648" y="2780928"/>
             <a:ext cx="4608512" cy="3168352"/>
           </a:xfrm>
           <a:prstGeom prst="straightConnector1">
@@ -4992,7 +5136,7 @@
         </p:nvSpPr>
         <p:spPr>
           <a:xfrm>
-            <a:off x="1763688" y="2348880"/>
+            <a:off x="1763688" y="2027981"/>
             <a:ext cx="7139136" cy="4137323"/>
           </a:xfrm>
         </p:spPr>
@@ -5191,47 +5335,8 @@
                   </a:outerShdw>
                 </a:effectLst>
               </a:rPr>
-              <a:t>Gestion du </a:t>
-            </a:r>
-            <a:r>
-              <a:rPr lang="fr-FR" sz="2200" dirty="0" err="1" smtClean="0">
-                <a:ln w="18415" cmpd="sng">
-                  <a:solidFill>
-                    <a:srgbClr val="FFFFFF"/>
-                  </a:solidFill>
-                  <a:prstDash val="solid"/>
-                </a:ln>
-                <a:solidFill>
-                  <a:srgbClr val="FFFFFF"/>
-                </a:solidFill>
-                <a:effectLst>
-                  <a:outerShdw blurRad="63500" dir="3600000" algn="tl" rotWithShape="0">
-                    <a:srgbClr val="000000">
-                      <a:alpha val="70000"/>
-                    </a:srgbClr>
-                  </a:outerShdw>
-                </a:effectLst>
-              </a:rPr>
-              <a:t>séquencement</a:t>
-            </a:r>
-            <a:endParaRPr lang="fr-FR" sz="2200" dirty="0" smtClean="0">
-              <a:ln w="18415" cmpd="sng">
-                <a:solidFill>
-                  <a:srgbClr val="FFFFFF"/>
-                </a:solidFill>
-                <a:prstDash val="solid"/>
-              </a:ln>
-              <a:solidFill>
-                <a:srgbClr val="FFFFFF"/>
-              </a:solidFill>
-              <a:effectLst>
-                <a:outerShdw blurRad="63500" dir="3600000" algn="tl" rotWithShape="0">
-                  <a:srgbClr val="000000">
-                    <a:alpha val="70000"/>
-                  </a:srgbClr>
-                </a:outerShdw>
-              </a:effectLst>
-            </a:endParaRPr>
+              <a:t>Gestion du séquencement</a:t>
+            </a:r>
           </a:p>
           <a:p>
             <a:pPr lvl="1">
